--- a/Core Papers/Ockham.io/3 - Abstract Submission 1.26.19/Submission/Ockham.io - Summary Slide.pptx
+++ b/Core Papers/Ockham.io/3 - Abstract Submission 1.26.19/Submission/Ockham.io - Summary Slide.pptx
@@ -204,7 +204,7 @@
                 <a:cs typeface="Tahoma" pitchFamily="34" charset="0"/>
               </a:rPr>
               <a:pPr/>
-              <a:t>1/26/2019</a:t>
+              <a:t>1/27/2019</a:t>
             </a:fld>
             <a:endParaRPr lang="en-US" dirty="0">
               <a:solidFill>
@@ -442,7 +442,7 @@
             <a:fld id="{92715C0D-0E45-40B4-BE1B-664AAA8E6B7F}" type="datetimeFigureOut">
               <a:rPr lang="en-US" smtClean="0"/>
               <a:pPr/>
-              <a:t>1/26/2019</a:t>
+              <a:t>1/27/2019</a:t>
             </a:fld>
             <a:endParaRPr lang="en-US" dirty="0"/>
           </a:p>
@@ -26604,7 +26604,7 @@
             </a:r>
             <a:r>
               <a:rPr lang="en-US" sz="800" dirty="0"/>
-              <a:t>web API’s will assist other teams and members to distribute and access information. It can, perhaps, become a viable service in its own-right essentially using paid subscriptions to continue the SCORE project indefinitely. In this second, commercial capacity, academic and scientific research could be scored greatly simplifying families seeking correct medical information, students researching for graduate papers, and public-policy makers to discern which data is accurate.</a:t>
+              <a:t>web API’s will assist other teams and members to distribute and access information. It can, perhaps, become a viable service in its own-right essentially using paid subscriptions to continue the SCORE project indefinitely. In this second, commercial capacity, academic and scientific research could be scored greatly simplifying the difficulty in families seeking correct medical information, students researching for graduate papers, and public-policy makers to discern which data is accurate.</a:t>
             </a:r>
           </a:p>
           <a:p>
@@ -26682,7 +26682,7 @@
             </a:r>
             <a:r>
               <a:rPr lang="en-US" sz="800" dirty="0"/>
-              <a:t> for computer verification, (2) </a:t>
+              <a:t> for computer verification; (2) </a:t>
             </a:r>
             <a:r>
               <a:rPr lang="en-US" sz="800" b="1" dirty="0"/>
@@ -26952,7 +26952,15 @@
           <a:p>
             <a:r>
               <a:rPr lang="en-US" sz="800" dirty="0"/>
-              <a:t>A few known solutions that solve narrower and more focused problems include:</a:t>
+              <a:t>A few known </a:t>
+            </a:r>
+            <a:r>
+              <a:rPr lang="en-US" sz="800"/>
+              <a:t>proposals to </a:t>
+            </a:r>
+            <a:r>
+              <a:rPr lang="en-US" sz="800" dirty="0"/>
+              <a:t>solve narrower and more focused problems include:</a:t>
             </a:r>
           </a:p>
           <a:p>
@@ -27010,7 +27018,7 @@
                   <a:prstClr val="black"/>
                 </a:solidFill>
               </a:rPr>
-              <a:t>Machine Learning and network graphs – using citation counts and tracking previous winners of Nobel Prize Laureates can produce highly accurate predictions. The approach mostly synthesizes what’s already known in terms of paper citations (</a:t>
+              <a:t>Machine Learning and network graphs – tracking citation counts and previous winners of Nobel Prize Laureates can produce highly accurate predictions. The approach synthesizes what’s already known in terms of paper citations but clarifies such knowledge into formal graph networks (</a:t>
             </a:r>
             <a:r>
               <a:rPr lang="en-US" sz="800" b="1" u="sng" dirty="0">
